--- a/Dokumentacija/Predstavitev Projekta.pptx
+++ b/Dokumentacija/Predstavitev Projekta.pptx
@@ -403,6 +403,7 @@
           <a:p>
             <a:fld id="{FAF0E1FD-A619-43FE-B6A9-B68E81301AF8}" type="datetimeFigureOut">
               <a:rPr lang="sl-SI" smtClean="0"/>
+              <a:pPr/>
               <a:t>18.11.2013</a:t>
             </a:fld>
             <a:endParaRPr lang="sl-SI"/>
@@ -471,6 +472,7 @@
           <a:p>
             <a:fld id="{8DFC2763-6D0E-45B0-87B6-A0CC626AA08A}" type="slidenum">
               <a:rPr lang="sl-SI" smtClean="0"/>
+              <a:pPr/>
               <a:t>‹#›</a:t>
             </a:fld>
             <a:endParaRPr lang="sl-SI"/>
@@ -594,6 +596,7 @@
           <a:p>
             <a:fld id="{FAF0E1FD-A619-43FE-B6A9-B68E81301AF8}" type="datetimeFigureOut">
               <a:rPr lang="sl-SI" smtClean="0"/>
+              <a:pPr/>
               <a:t>18.11.2013</a:t>
             </a:fld>
             <a:endParaRPr lang="sl-SI"/>
@@ -636,6 +639,7 @@
           <a:p>
             <a:fld id="{8DFC2763-6D0E-45B0-87B6-A0CC626AA08A}" type="slidenum">
               <a:rPr lang="sl-SI" smtClean="0"/>
+              <a:pPr/>
               <a:t>‹#›</a:t>
             </a:fld>
             <a:endParaRPr lang="sl-SI"/>
@@ -779,6 +783,7 @@
           <a:p>
             <a:fld id="{FAF0E1FD-A619-43FE-B6A9-B68E81301AF8}" type="datetimeFigureOut">
               <a:rPr lang="sl-SI" smtClean="0"/>
+              <a:pPr/>
               <a:t>18.11.2013</a:t>
             </a:fld>
             <a:endParaRPr lang="sl-SI"/>
@@ -966,6 +971,7 @@
           <a:p>
             <a:fld id="{8DFC2763-6D0E-45B0-87B6-A0CC626AA08A}" type="slidenum">
               <a:rPr lang="sl-SI" smtClean="0"/>
+              <a:pPr/>
               <a:t>‹#›</a:t>
             </a:fld>
             <a:endParaRPr lang="sl-SI"/>
@@ -1042,6 +1048,7 @@
           <a:p>
             <a:fld id="{FAF0E1FD-A619-43FE-B6A9-B68E81301AF8}" type="datetimeFigureOut">
               <a:rPr lang="sl-SI" smtClean="0"/>
+              <a:pPr/>
               <a:t>18.11.2013</a:t>
             </a:fld>
             <a:endParaRPr lang="sl-SI"/>
@@ -1092,6 +1099,7 @@
           <a:p>
             <a:fld id="{8DFC2763-6D0E-45B0-87B6-A0CC626AA08A}" type="slidenum">
               <a:rPr lang="sl-SI" smtClean="0"/>
+              <a:pPr/>
               <a:t>‹#›</a:t>
             </a:fld>
             <a:endParaRPr lang="sl-SI"/>
@@ -1458,6 +1466,7 @@
           <a:p>
             <a:fld id="{FAF0E1FD-A619-43FE-B6A9-B68E81301AF8}" type="datetimeFigureOut">
               <a:rPr lang="sl-SI" smtClean="0"/>
+              <a:pPr/>
               <a:t>18.11.2013</a:t>
             </a:fld>
             <a:endParaRPr lang="sl-SI"/>
@@ -1496,6 +1505,7 @@
           <a:p>
             <a:fld id="{8DFC2763-6D0E-45B0-87B6-A0CC626AA08A}" type="slidenum">
               <a:rPr lang="sl-SI" smtClean="0"/>
+              <a:pPr/>
               <a:t>‹#›</a:t>
             </a:fld>
             <a:endParaRPr lang="sl-SI"/>
@@ -1700,6 +1710,7 @@
           <a:p>
             <a:fld id="{FAF0E1FD-A619-43FE-B6A9-B68E81301AF8}" type="datetimeFigureOut">
               <a:rPr lang="sl-SI" smtClean="0"/>
+              <a:pPr/>
               <a:t>18.11.2013</a:t>
             </a:fld>
             <a:endParaRPr lang="sl-SI"/>
@@ -1723,6 +1734,7 @@
           <a:p>
             <a:fld id="{8DFC2763-6D0E-45B0-87B6-A0CC626AA08A}" type="slidenum">
               <a:rPr lang="sl-SI" smtClean="0"/>
+              <a:pPr/>
               <a:t>‹#›</a:t>
             </a:fld>
             <a:endParaRPr lang="sl-SI"/>
@@ -1936,6 +1948,7 @@
           <a:p>
             <a:fld id="{FAF0E1FD-A619-43FE-B6A9-B68E81301AF8}" type="datetimeFigureOut">
               <a:rPr lang="sl-SI" smtClean="0"/>
+              <a:pPr/>
               <a:t>18.11.2013</a:t>
             </a:fld>
             <a:endParaRPr lang="sl-SI"/>
@@ -1959,6 +1972,7 @@
           <a:p>
             <a:fld id="{8DFC2763-6D0E-45B0-87B6-A0CC626AA08A}" type="slidenum">
               <a:rPr lang="sl-SI" smtClean="0"/>
+              <a:pPr/>
               <a:t>‹#›</a:t>
             </a:fld>
             <a:endParaRPr lang="sl-SI"/>
@@ -2131,6 +2145,7 @@
           <a:p>
             <a:fld id="{FAF0E1FD-A619-43FE-B6A9-B68E81301AF8}" type="datetimeFigureOut">
               <a:rPr lang="sl-SI" smtClean="0"/>
+              <a:pPr/>
               <a:t>18.11.2013</a:t>
             </a:fld>
             <a:endParaRPr lang="sl-SI"/>
@@ -2181,6 +2196,7 @@
           <a:p>
             <a:fld id="{8DFC2763-6D0E-45B0-87B6-A0CC626AA08A}" type="slidenum">
               <a:rPr lang="sl-SI" smtClean="0"/>
+              <a:pPr/>
               <a:t>‹#›</a:t>
             </a:fld>
             <a:endParaRPr lang="sl-SI"/>
@@ -2229,6 +2245,7 @@
           <a:p>
             <a:fld id="{FAF0E1FD-A619-43FE-B6A9-B68E81301AF8}" type="datetimeFigureOut">
               <a:rPr lang="sl-SI" smtClean="0"/>
+              <a:pPr/>
               <a:t>18.11.2013</a:t>
             </a:fld>
             <a:endParaRPr lang="sl-SI"/>
@@ -2284,6 +2301,7 @@
           <a:p>
             <a:fld id="{8DFC2763-6D0E-45B0-87B6-A0CC626AA08A}" type="slidenum">
               <a:rPr lang="sl-SI" smtClean="0"/>
+              <a:pPr/>
               <a:t>‹#›</a:t>
             </a:fld>
             <a:endParaRPr lang="sl-SI"/>
@@ -2365,6 +2383,7 @@
           <a:p>
             <a:fld id="{FAF0E1FD-A619-43FE-B6A9-B68E81301AF8}" type="datetimeFigureOut">
               <a:rPr lang="sl-SI" smtClean="0"/>
+              <a:pPr/>
               <a:t>18.11.2013</a:t>
             </a:fld>
             <a:endParaRPr lang="sl-SI"/>
@@ -2415,6 +2434,7 @@
           <a:p>
             <a:fld id="{8DFC2763-6D0E-45B0-87B6-A0CC626AA08A}" type="slidenum">
               <a:rPr lang="sl-SI" smtClean="0"/>
+              <a:pPr/>
               <a:t>‹#›</a:t>
             </a:fld>
             <a:endParaRPr lang="sl-SI"/>
@@ -2883,6 +2903,7 @@
           <a:p>
             <a:fld id="{FAF0E1FD-A619-43FE-B6A9-B68E81301AF8}" type="datetimeFigureOut">
               <a:rPr lang="sl-SI" smtClean="0"/>
+              <a:pPr/>
               <a:t>18.11.2013</a:t>
             </a:fld>
             <a:endParaRPr lang="sl-SI"/>
@@ -2915,6 +2936,7 @@
           <a:p>
             <a:fld id="{8DFC2763-6D0E-45B0-87B6-A0CC626AA08A}" type="slidenum">
               <a:rPr lang="sl-SI" smtClean="0"/>
+              <a:pPr/>
               <a:t>‹#›</a:t>
             </a:fld>
             <a:endParaRPr lang="sl-SI"/>
@@ -3144,6 +3166,7 @@
           <a:p>
             <a:fld id="{FAF0E1FD-A619-43FE-B6A9-B68E81301AF8}" type="datetimeFigureOut">
               <a:rPr lang="sl-SI" smtClean="0"/>
+              <a:pPr/>
               <a:t>18.11.2013</a:t>
             </a:fld>
             <a:endParaRPr lang="sl-SI"/>
@@ -3362,6 +3385,7 @@
           <a:p>
             <a:fld id="{8DFC2763-6D0E-45B0-87B6-A0CC626AA08A}" type="slidenum">
               <a:rPr lang="sl-SI" smtClean="0"/>
+              <a:pPr/>
               <a:t>‹#›</a:t>
             </a:fld>
             <a:endParaRPr lang="sl-SI"/>
@@ -4145,8 +4169,8 @@
         </p:blipFill>
         <p:spPr>
           <a:xfrm>
-            <a:off x="612775" y="2150112"/>
-            <a:ext cx="8153400" cy="3395975"/>
+            <a:off x="0" y="1500174"/>
+            <a:ext cx="9776388" cy="4071966"/>
           </a:xfrm>
         </p:spPr>
       </p:pic>
@@ -4224,7 +4248,6 @@
               <a:rPr lang="sl-SI" dirty="0" smtClean="0"/>
               <a:t>Google Play</a:t>
             </a:r>
-            <a:endParaRPr lang="sl-SI" dirty="0" smtClean="0"/>
           </a:p>
           <a:p>
             <a:pPr lvl="1"/>

--- a/Dokumentacija/Predstavitev Projekta.pptx
+++ b/Dokumentacija/Predstavitev Projekta.pptx
@@ -7,10 +7,11 @@
   <p:sldIdLst>
     <p:sldId id="256" r:id="rId2"/>
     <p:sldId id="257" r:id="rId3"/>
-    <p:sldId id="258" r:id="rId4"/>
-    <p:sldId id="261" r:id="rId5"/>
-    <p:sldId id="259" r:id="rId6"/>
-    <p:sldId id="260" r:id="rId7"/>
+    <p:sldId id="262" r:id="rId4"/>
+    <p:sldId id="258" r:id="rId5"/>
+    <p:sldId id="261" r:id="rId6"/>
+    <p:sldId id="259" r:id="rId7"/>
+    <p:sldId id="260" r:id="rId8"/>
   </p:sldIdLst>
   <p:sldSz cx="9144000" cy="6858000" type="screen4x3"/>
   <p:notesSz cx="6858000" cy="9144000"/>
@@ -404,7 +405,7 @@
             <a:fld id="{FAF0E1FD-A619-43FE-B6A9-B68E81301AF8}" type="datetimeFigureOut">
               <a:rPr lang="sl-SI" smtClean="0"/>
               <a:pPr/>
-              <a:t>18.11.2013</a:t>
+              <a:t>18/11/13</a:t>
             </a:fld>
             <a:endParaRPr lang="sl-SI"/>
           </a:p>
@@ -597,7 +598,7 @@
             <a:fld id="{FAF0E1FD-A619-43FE-B6A9-B68E81301AF8}" type="datetimeFigureOut">
               <a:rPr lang="sl-SI" smtClean="0"/>
               <a:pPr/>
-              <a:t>18.11.2013</a:t>
+              <a:t>18/11/13</a:t>
             </a:fld>
             <a:endParaRPr lang="sl-SI"/>
           </a:p>
@@ -784,7 +785,7 @@
             <a:fld id="{FAF0E1FD-A619-43FE-B6A9-B68E81301AF8}" type="datetimeFigureOut">
               <a:rPr lang="sl-SI" smtClean="0"/>
               <a:pPr/>
-              <a:t>18.11.2013</a:t>
+              <a:t>18/11/13</a:t>
             </a:fld>
             <a:endParaRPr lang="sl-SI"/>
           </a:p>
@@ -1049,7 +1050,7 @@
             <a:fld id="{FAF0E1FD-A619-43FE-B6A9-B68E81301AF8}" type="datetimeFigureOut">
               <a:rPr lang="sl-SI" smtClean="0"/>
               <a:pPr/>
-              <a:t>18.11.2013</a:t>
+              <a:t>18/11/13</a:t>
             </a:fld>
             <a:endParaRPr lang="sl-SI"/>
           </a:p>
@@ -1467,7 +1468,7 @@
             <a:fld id="{FAF0E1FD-A619-43FE-B6A9-B68E81301AF8}" type="datetimeFigureOut">
               <a:rPr lang="sl-SI" smtClean="0"/>
               <a:pPr/>
-              <a:t>18.11.2013</a:t>
+              <a:t>18/11/13</a:t>
             </a:fld>
             <a:endParaRPr lang="sl-SI"/>
           </a:p>
@@ -1711,7 +1712,7 @@
             <a:fld id="{FAF0E1FD-A619-43FE-B6A9-B68E81301AF8}" type="datetimeFigureOut">
               <a:rPr lang="sl-SI" smtClean="0"/>
               <a:pPr/>
-              <a:t>18.11.2013</a:t>
+              <a:t>18/11/13</a:t>
             </a:fld>
             <a:endParaRPr lang="sl-SI"/>
           </a:p>
@@ -1949,7 +1950,7 @@
             <a:fld id="{FAF0E1FD-A619-43FE-B6A9-B68E81301AF8}" type="datetimeFigureOut">
               <a:rPr lang="sl-SI" smtClean="0"/>
               <a:pPr/>
-              <a:t>18.11.2013</a:t>
+              <a:t>18/11/13</a:t>
             </a:fld>
             <a:endParaRPr lang="sl-SI"/>
           </a:p>
@@ -2146,7 +2147,7 @@
             <a:fld id="{FAF0E1FD-A619-43FE-B6A9-B68E81301AF8}" type="datetimeFigureOut">
               <a:rPr lang="sl-SI" smtClean="0"/>
               <a:pPr/>
-              <a:t>18.11.2013</a:t>
+              <a:t>18/11/13</a:t>
             </a:fld>
             <a:endParaRPr lang="sl-SI"/>
           </a:p>
@@ -2246,7 +2247,7 @@
             <a:fld id="{FAF0E1FD-A619-43FE-B6A9-B68E81301AF8}" type="datetimeFigureOut">
               <a:rPr lang="sl-SI" smtClean="0"/>
               <a:pPr/>
-              <a:t>18.11.2013</a:t>
+              <a:t>18/11/13</a:t>
             </a:fld>
             <a:endParaRPr lang="sl-SI"/>
           </a:p>
@@ -2384,7 +2385,7 @@
             <a:fld id="{FAF0E1FD-A619-43FE-B6A9-B68E81301AF8}" type="datetimeFigureOut">
               <a:rPr lang="sl-SI" smtClean="0"/>
               <a:pPr/>
-              <a:t>18.11.2013</a:t>
+              <a:t>18/11/13</a:t>
             </a:fld>
             <a:endParaRPr lang="sl-SI"/>
           </a:p>
@@ -2904,7 +2905,7 @@
             <a:fld id="{FAF0E1FD-A619-43FE-B6A9-B68E81301AF8}" type="datetimeFigureOut">
               <a:rPr lang="sl-SI" smtClean="0"/>
               <a:pPr/>
-              <a:t>18.11.2013</a:t>
+              <a:t>18/11/13</a:t>
             </a:fld>
             <a:endParaRPr lang="sl-SI"/>
           </a:p>
@@ -3167,7 +3168,7 @@
             <a:fld id="{FAF0E1FD-A619-43FE-B6A9-B68E81301AF8}" type="datetimeFigureOut">
               <a:rPr lang="sl-SI" smtClean="0"/>
               <a:pPr/>
-              <a:t>18.11.2013</a:t>
+              <a:t>18/11/13</a:t>
             </a:fld>
             <a:endParaRPr lang="sl-SI"/>
           </a:p>
@@ -3843,7 +3844,7 @@
   <p:timing>
     <p:tnLst>
       <p:par>
-        <p:cTn id="1" dur="indefinite" restart="never" nodeType="tmRoot"/>
+        <p:cTn xmlns:p14="http://schemas.microsoft.com/office/powerpoint/2010/main" id="1" dur="indefinite" restart="never" nodeType="tmRoot"/>
       </p:par>
     </p:tnLst>
   </p:timing>
@@ -3907,19 +3908,35 @@
           <a:p>
             <a:r>
               <a:rPr lang="sl-SI" dirty="0" smtClean="0"/>
-              <a:t>Prvič obiskovalci ne vedo, kje se kaj nahaja</a:t>
-            </a:r>
-          </a:p>
-          <a:p>
+              <a:t>Prvič, </a:t>
+            </a:r>
             <a:r>
               <a:rPr lang="sl-SI" dirty="0" smtClean="0"/>
-              <a:t>Aplikacija bi jim olajšala iskanje trgovin, hal, ali drugih objektov v sklopu BTC City</a:t>
+              <a:t>obiskovalci ne vedo, kje se kaj nahaja</a:t>
             </a:r>
           </a:p>
           <a:p>
             <a:r>
               <a:rPr lang="sl-SI" dirty="0" smtClean="0"/>
-              <a:t>Zemljevid le na spletu</a:t>
+              <a:t>Olajšanje iskanja </a:t>
+            </a:r>
+            <a:r>
+              <a:rPr lang="sl-SI" dirty="0" smtClean="0"/>
+              <a:t>trgovin, hal, ali drugih objektov v sklopu BTC City</a:t>
+            </a:r>
+          </a:p>
+          <a:p>
+            <a:r>
+              <a:rPr lang="sl-SI" dirty="0" smtClean="0"/>
+              <a:t>Zemljevid </a:t>
+            </a:r>
+            <a:r>
+              <a:rPr lang="sl-SI" dirty="0" smtClean="0"/>
+              <a:t>dostopen le </a:t>
+            </a:r>
+            <a:r>
+              <a:rPr lang="sl-SI" dirty="0" smtClean="0"/>
+              <a:t>na spletu</a:t>
             </a:r>
           </a:p>
           <a:p>
@@ -3939,7 +3956,7 @@
   <p:timing>
     <p:tnLst>
       <p:par>
-        <p:cTn id="1" dur="indefinite" restart="never" nodeType="tmRoot"/>
+        <p:cTn xmlns:p14="http://schemas.microsoft.com/office/powerpoint/2010/main" id="1" dur="indefinite" restart="never" nodeType="tmRoot"/>
       </p:par>
     </p:tnLst>
   </p:timing>
@@ -3979,14 +3996,18 @@
           <a:lstStyle/>
           <a:p>
             <a:r>
-              <a:rPr lang="sl-SI" dirty="0" smtClean="0"/>
-              <a:t>Načrt </a:t>
-            </a:r>
-            <a:r>
-              <a:rPr lang="sl-SI" sz="1800" dirty="0" smtClean="0"/>
-              <a:t>(1)</a:t>
-            </a:r>
-            <a:endParaRPr lang="sl-SI" sz="1800" dirty="0"/>
+              <a:rPr lang="en-US" dirty="0" err="1" smtClean="0"/>
+              <a:t>Funkcionalnosti</a:t>
+            </a:r>
+            <a:r>
+              <a:rPr lang="en-US" dirty="0" smtClean="0"/>
+              <a:t> </a:t>
+            </a:r>
+            <a:r>
+              <a:rPr lang="en-US" dirty="0" err="1" smtClean="0"/>
+              <a:t>aplikacije</a:t>
+            </a:r>
+            <a:endParaRPr lang="en-US" dirty="0"/>
           </a:p>
         </p:txBody>
       </p:sp>
@@ -4003,107 +4024,259 @@
         <p:spPr/>
         <p:txBody>
           <a:bodyPr>
-            <a:normAutofit fontScale="92500" lnSpcReduction="10000"/>
+            <a:normAutofit/>
           </a:bodyPr>
           <a:lstStyle/>
           <a:p>
             <a:r>
-              <a:rPr lang="sl-SI" dirty="0" smtClean="0"/>
-              <a:t>3 faze: </a:t>
-            </a:r>
+              <a:rPr lang="en-US" dirty="0" err="1" smtClean="0"/>
+              <a:t>Prikaz</a:t>
+            </a:r>
+            <a:r>
+              <a:rPr lang="en-US" dirty="0" smtClean="0"/>
+              <a:t> </a:t>
+            </a:r>
+            <a:r>
+              <a:rPr lang="en-US" dirty="0" err="1" smtClean="0"/>
+              <a:t>trenutne</a:t>
+            </a:r>
+            <a:r>
+              <a:rPr lang="en-US" dirty="0" smtClean="0"/>
+              <a:t> </a:t>
+            </a:r>
+            <a:r>
+              <a:rPr lang="en-US" dirty="0" err="1" smtClean="0"/>
+              <a:t>lokacije</a:t>
+            </a:r>
+            <a:endParaRPr lang="en-US" dirty="0" smtClean="0"/>
+          </a:p>
+          <a:p>
+            <a:r>
+              <a:rPr lang="en-US" dirty="0" err="1" smtClean="0"/>
+              <a:t>Prikaz</a:t>
+            </a:r>
+            <a:r>
+              <a:rPr lang="en-US" dirty="0" smtClean="0"/>
+              <a:t> </a:t>
+            </a:r>
+            <a:r>
+              <a:rPr lang="en-US" dirty="0" err="1" smtClean="0"/>
+              <a:t>bližnjih</a:t>
+            </a:r>
+            <a:r>
+              <a:rPr lang="en-US" dirty="0" smtClean="0"/>
+              <a:t> </a:t>
+            </a:r>
+            <a:r>
+              <a:rPr lang="en-US" dirty="0" err="1" smtClean="0"/>
+              <a:t>trgovin</a:t>
+            </a:r>
+            <a:endParaRPr lang="en-US" dirty="0" smtClean="0"/>
+          </a:p>
+          <a:p>
+            <a:r>
+              <a:rPr lang="en-US" dirty="0" err="1" smtClean="0"/>
+              <a:t>Izračun</a:t>
+            </a:r>
+            <a:r>
+              <a:rPr lang="en-US" dirty="0" smtClean="0"/>
+              <a:t> </a:t>
+            </a:r>
+            <a:r>
+              <a:rPr lang="en-US" dirty="0" err="1" smtClean="0"/>
+              <a:t>najhitrejše</a:t>
+            </a:r>
+            <a:r>
+              <a:rPr lang="en-US" dirty="0" smtClean="0"/>
+              <a:t> </a:t>
+            </a:r>
+            <a:r>
+              <a:rPr lang="en-US" dirty="0" err="1" smtClean="0"/>
+              <a:t>poti</a:t>
+            </a:r>
+            <a:r>
+              <a:rPr lang="en-US" dirty="0" smtClean="0"/>
+              <a:t> do </a:t>
+            </a:r>
+            <a:r>
+              <a:rPr lang="en-US" dirty="0" err="1" smtClean="0"/>
+              <a:t>izbrane</a:t>
+            </a:r>
+            <a:r>
+              <a:rPr lang="en-US" dirty="0" smtClean="0"/>
+              <a:t> </a:t>
+            </a:r>
+            <a:r>
+              <a:rPr lang="en-US" dirty="0" err="1" smtClean="0"/>
+              <a:t>trgovine</a:t>
+            </a:r>
+            <a:endParaRPr lang="en-US" dirty="0" smtClean="0"/>
+          </a:p>
+          <a:p>
+            <a:r>
+              <a:rPr lang="en-US" dirty="0" err="1" smtClean="0"/>
+              <a:t>Prikaz</a:t>
+            </a:r>
+            <a:r>
+              <a:rPr lang="en-US" dirty="0" smtClean="0"/>
+              <a:t> </a:t>
+            </a:r>
+            <a:r>
+              <a:rPr lang="en-US" dirty="0" err="1" smtClean="0"/>
+              <a:t>podatkov</a:t>
+            </a:r>
+            <a:r>
+              <a:rPr lang="en-US" dirty="0" smtClean="0"/>
+              <a:t> o </a:t>
+            </a:r>
+            <a:r>
+              <a:rPr lang="en-US" dirty="0" err="1" smtClean="0"/>
+              <a:t>trgovini</a:t>
+            </a:r>
+            <a:endParaRPr lang="en-US" dirty="0"/>
           </a:p>
           <a:p>
             <a:pPr lvl="1"/>
             <a:r>
-              <a:rPr lang="sl-SI" b="1" dirty="0" smtClean="0"/>
-              <a:t>Programiranje aplikacije</a:t>
-            </a:r>
-          </a:p>
-          <a:p>
-            <a:pPr lvl="2"/>
-            <a:r>
-              <a:rPr lang="sl-SI" dirty="0" smtClean="0"/>
-              <a:t>Podatkovna baza</a:t>
-            </a:r>
-          </a:p>
-          <a:p>
-            <a:pPr lvl="2"/>
-            <a:r>
-              <a:rPr lang="sl-SI" dirty="0" smtClean="0"/>
-              <a:t>Odzivi na uporabnikove ukaze</a:t>
-            </a:r>
-          </a:p>
-          <a:p>
-            <a:pPr lvl="2"/>
-            <a:r>
-              <a:rPr lang="sl-SI" dirty="0" smtClean="0"/>
-              <a:t>Povezava med ukazi in rezultati poizvedb</a:t>
-            </a:r>
+              <a:rPr lang="en-US" dirty="0" err="1" smtClean="0"/>
+              <a:t>Kontakt</a:t>
+            </a:r>
+            <a:r>
+              <a:rPr lang="en-US" dirty="0" smtClean="0"/>
+              <a:t>,</a:t>
+            </a:r>
+            <a:r>
+              <a:rPr lang="en-US" dirty="0"/>
+              <a:t> </a:t>
+            </a:r>
+            <a:r>
+              <a:rPr lang="en-US" dirty="0" err="1" smtClean="0"/>
+              <a:t>Odpiralni</a:t>
+            </a:r>
+            <a:r>
+              <a:rPr lang="en-US" dirty="0" smtClean="0"/>
+              <a:t> </a:t>
+            </a:r>
+            <a:r>
+              <a:rPr lang="en-US" dirty="0" err="1" smtClean="0"/>
+              <a:t>čas</a:t>
+            </a:r>
+            <a:endParaRPr lang="en-US" dirty="0" smtClean="0"/>
+          </a:p>
+          <a:p>
+            <a:r>
+              <a:rPr lang="en-US" dirty="0" err="1" smtClean="0"/>
+              <a:t>Iskanje</a:t>
+            </a:r>
+            <a:r>
+              <a:rPr lang="en-US" dirty="0" smtClean="0"/>
+              <a:t> </a:t>
+            </a:r>
+            <a:r>
+              <a:rPr lang="en-US" dirty="0" err="1" smtClean="0"/>
+              <a:t>trgovin</a:t>
+            </a:r>
+            <a:r>
+              <a:rPr lang="en-US" dirty="0" smtClean="0"/>
+              <a:t> </a:t>
+            </a:r>
+            <a:r>
+              <a:rPr lang="en-US" dirty="0" err="1" smtClean="0"/>
+              <a:t>po</a:t>
+            </a:r>
+            <a:r>
+              <a:rPr lang="en-US" dirty="0" smtClean="0"/>
+              <a:t> </a:t>
+            </a:r>
+            <a:r>
+              <a:rPr lang="en-US" dirty="0" err="1" smtClean="0"/>
+              <a:t>izdelkih</a:t>
+            </a:r>
+            <a:r>
+              <a:rPr lang="en-US" dirty="0" smtClean="0"/>
+              <a:t>, </a:t>
+            </a:r>
+            <a:r>
+              <a:rPr lang="en-US" dirty="0" err="1" smtClean="0"/>
+              <a:t>kategorijah</a:t>
+            </a:r>
+            <a:endParaRPr lang="en-US" dirty="0" smtClean="0"/>
+          </a:p>
+          <a:p>
+            <a:r>
+              <a:rPr lang="en-US" dirty="0" err="1" smtClean="0"/>
+              <a:t>Prikaz</a:t>
+            </a:r>
+            <a:r>
+              <a:rPr lang="en-US" dirty="0" smtClean="0"/>
+              <a:t> </a:t>
+            </a:r>
+            <a:r>
+              <a:rPr lang="en-US" dirty="0" err="1" smtClean="0"/>
+              <a:t>bližnjih</a:t>
+            </a:r>
+            <a:r>
+              <a:rPr lang="en-US" dirty="0" smtClean="0"/>
+              <a:t> </a:t>
+            </a:r>
+            <a:r>
+              <a:rPr lang="en-US" dirty="0" err="1" smtClean="0"/>
+              <a:t>točk</a:t>
+            </a:r>
+            <a:r>
+              <a:rPr lang="en-US" dirty="0" smtClean="0"/>
+              <a:t> </a:t>
+            </a:r>
+            <a:r>
+              <a:rPr lang="en-US" dirty="0" err="1" smtClean="0"/>
+              <a:t>interesa</a:t>
+            </a:r>
+            <a:endParaRPr lang="en-US" dirty="0" smtClean="0"/>
           </a:p>
           <a:p>
             <a:pPr lvl="1"/>
             <a:r>
-              <a:rPr lang="sl-SI" b="1" dirty="0" smtClean="0"/>
-              <a:t>Izdelava grafičnega vmesnika</a:t>
-            </a:r>
-          </a:p>
-          <a:p>
-            <a:pPr lvl="2"/>
-            <a:r>
-              <a:rPr lang="sl-SI" dirty="0" smtClean="0"/>
-              <a:t>Zemljevid</a:t>
-            </a:r>
-          </a:p>
-          <a:p>
-            <a:pPr lvl="2"/>
-            <a:r>
-              <a:rPr lang="sl-SI" dirty="0" smtClean="0"/>
-              <a:t>Ikone</a:t>
-            </a:r>
-          </a:p>
-          <a:p>
-            <a:pPr lvl="2"/>
-            <a:r>
-              <a:rPr lang="sl-SI" dirty="0" smtClean="0"/>
-              <a:t>Gradniki</a:t>
-            </a:r>
-          </a:p>
-          <a:p>
-            <a:pPr lvl="1"/>
-            <a:r>
-              <a:rPr lang="sl-SI" b="1" dirty="0" smtClean="0"/>
-              <a:t>Testiranje</a:t>
-            </a:r>
-          </a:p>
-          <a:p>
-            <a:pPr lvl="2"/>
-            <a:r>
-              <a:rPr lang="sl-SI" dirty="0" smtClean="0"/>
-              <a:t>Rezultatov</a:t>
-            </a:r>
-          </a:p>
-          <a:p>
-            <a:pPr lvl="2"/>
-            <a:r>
-              <a:rPr lang="sl-SI" dirty="0" smtClean="0"/>
-              <a:t>Delovanja na različnih napravah</a:t>
-            </a:r>
-            <a:endParaRPr lang="sl-SI" dirty="0"/>
+              <a:rPr lang="en-US" dirty="0" err="1" smtClean="0"/>
+              <a:t>Bankomati</a:t>
+            </a:r>
+            <a:r>
+              <a:rPr lang="en-US" dirty="0" smtClean="0"/>
+              <a:t>, </a:t>
+            </a:r>
+            <a:r>
+              <a:rPr lang="en-US" dirty="0" err="1" smtClean="0"/>
+              <a:t>avtobusne</a:t>
+            </a:r>
+            <a:r>
+              <a:rPr lang="en-US" dirty="0" smtClean="0"/>
+              <a:t> </a:t>
+            </a:r>
+            <a:r>
+              <a:rPr lang="en-US" dirty="0" err="1" smtClean="0"/>
+              <a:t>postaje</a:t>
+            </a:r>
+            <a:r>
+              <a:rPr lang="en-US" dirty="0" smtClean="0"/>
+              <a:t>, </a:t>
+            </a:r>
+            <a:r>
+              <a:rPr lang="en-US" dirty="0" err="1" smtClean="0"/>
+              <a:t>informacije</a:t>
+            </a:r>
+            <a:endParaRPr lang="en-US" dirty="0" smtClean="0"/>
           </a:p>
         </p:txBody>
       </p:sp>
     </p:spTree>
+    <p:extLst>
+      <p:ext uri="{BB962C8B-B14F-4D97-AF65-F5344CB8AC3E}">
+        <p14:creationId xmlns:p14="http://schemas.microsoft.com/office/powerpoint/2010/main" val="2518798803"/>
+      </p:ext>
+    </p:extLst>
   </p:cSld>
   <p:clrMapOvr>
     <a:masterClrMapping/>
   </p:clrMapOvr>
-  <p:timing>
-    <p:tnLst>
-      <p:par>
-        <p:cTn id="1" dur="indefinite" restart="never" nodeType="tmRoot"/>
-      </p:par>
-    </p:tnLst>
-  </p:timing>
 </p:sld>
 </file>
 
@@ -4145,35 +4318,114 @@
             </a:r>
             <a:r>
               <a:rPr lang="sl-SI" sz="1800" dirty="0" smtClean="0"/>
-              <a:t>(2)</a:t>
+              <a:t>(1)</a:t>
             </a:r>
             <a:endParaRPr lang="sl-SI" sz="1800" dirty="0"/>
           </a:p>
         </p:txBody>
       </p:sp>
-      <p:pic>
-        <p:nvPicPr>
-          <p:cNvPr id="4" name="Content Placeholder 3" descr="nacrtOdvisnosti.gif"/>
-          <p:cNvPicPr>
-            <a:picLocks noGrp="1" noChangeAspect="1"/>
-          </p:cNvPicPr>
+      <p:sp>
+        <p:nvSpPr>
+          <p:cNvPr id="3" name="Content Placeholder 2"/>
+          <p:cNvSpPr>
+            <a:spLocks noGrp="1"/>
+          </p:cNvSpPr>
           <p:nvPr>
             <p:ph sz="quarter" idx="1"/>
           </p:nvPr>
-        </p:nvPicPr>
-        <p:blipFill>
-          <a:blip r:embed="rId2" cstate="print"/>
-          <a:stretch>
-            <a:fillRect/>
-          </a:stretch>
-        </p:blipFill>
-        <p:spPr>
-          <a:xfrm>
-            <a:off x="0" y="1500174"/>
-            <a:ext cx="9776388" cy="4071966"/>
-          </a:xfrm>
-        </p:spPr>
-      </p:pic>
+        </p:nvSpPr>
+        <p:spPr/>
+        <p:txBody>
+          <a:bodyPr>
+            <a:normAutofit fontScale="92500" lnSpcReduction="10000"/>
+          </a:bodyPr>
+          <a:lstStyle/>
+          <a:p>
+            <a:r>
+              <a:rPr lang="sl-SI" dirty="0" smtClean="0"/>
+              <a:t>3 faze: </a:t>
+            </a:r>
+          </a:p>
+          <a:p>
+            <a:pPr lvl="1"/>
+            <a:r>
+              <a:rPr lang="sl-SI" b="1" dirty="0" smtClean="0"/>
+              <a:t>Programiranje aplikacije</a:t>
+            </a:r>
+          </a:p>
+          <a:p>
+            <a:pPr lvl="2"/>
+            <a:r>
+              <a:rPr lang="sl-SI" dirty="0" smtClean="0"/>
+              <a:t>Podatkovna baza</a:t>
+            </a:r>
+          </a:p>
+          <a:p>
+            <a:pPr lvl="2"/>
+            <a:r>
+              <a:rPr lang="sl-SI" dirty="0" smtClean="0"/>
+              <a:t>Odzivi na uporabnikove ukaze</a:t>
+            </a:r>
+          </a:p>
+          <a:p>
+            <a:pPr lvl="2"/>
+            <a:r>
+              <a:rPr lang="sl-SI" dirty="0" smtClean="0"/>
+              <a:t>Povezava med ukazi in rezultati poizvedb</a:t>
+            </a:r>
+          </a:p>
+          <a:p>
+            <a:pPr lvl="1"/>
+            <a:r>
+              <a:rPr lang="sl-SI" b="1" dirty="0" smtClean="0"/>
+              <a:t>Izdelava grafičnega vmesnika</a:t>
+            </a:r>
+          </a:p>
+          <a:p>
+            <a:pPr lvl="2"/>
+            <a:r>
+              <a:rPr lang="sl-SI" dirty="0" smtClean="0"/>
+              <a:t>Zemljevid</a:t>
+            </a:r>
+          </a:p>
+          <a:p>
+            <a:pPr lvl="2"/>
+            <a:r>
+              <a:rPr lang="sl-SI" dirty="0" smtClean="0"/>
+              <a:t>Ikone</a:t>
+            </a:r>
+          </a:p>
+          <a:p>
+            <a:pPr lvl="2"/>
+            <a:r>
+              <a:rPr lang="sl-SI" dirty="0" smtClean="0"/>
+              <a:t>Gradniki</a:t>
+            </a:r>
+          </a:p>
+          <a:p>
+            <a:pPr lvl="1"/>
+            <a:r>
+              <a:rPr lang="sl-SI" b="1" dirty="0" smtClean="0"/>
+              <a:t>Testiranje</a:t>
+            </a:r>
+          </a:p>
+          <a:p>
+            <a:pPr lvl="2"/>
+            <a:r>
+              <a:rPr lang="sl-SI" dirty="0" smtClean="0"/>
+              <a:t>Rezultatov</a:t>
+            </a:r>
+          </a:p>
+          <a:p>
+            <a:pPr lvl="2"/>
+            <a:r>
+              <a:rPr lang="sl-SI" dirty="0" smtClean="0"/>
+              <a:t>Delovanja na različnih napravah</a:t>
+            </a:r>
+            <a:endParaRPr lang="sl-SI" dirty="0"/>
+          </a:p>
+        </p:txBody>
+      </p:sp>
     </p:spTree>
   </p:cSld>
   <p:clrMapOvr>
@@ -4182,7 +4434,7 @@
   <p:timing>
     <p:tnLst>
       <p:par>
-        <p:cTn id="1" dur="indefinite" restart="never" nodeType="tmRoot"/>
+        <p:cTn xmlns:p14="http://schemas.microsoft.com/office/powerpoint/2010/main" id="1" dur="indefinite" restart="never" nodeType="tmRoot"/>
       </p:par>
     </p:tnLst>
   </p:timing>
@@ -4223,68 +4475,39 @@
           <a:p>
             <a:r>
               <a:rPr lang="sl-SI" dirty="0" smtClean="0"/>
-              <a:t>Analiza rezultatov</a:t>
-            </a:r>
-            <a:endParaRPr lang="sl-SI" dirty="0"/>
-          </a:p>
-        </p:txBody>
-      </p:sp>
-      <p:sp>
-        <p:nvSpPr>
-          <p:cNvPr id="3" name="Content Placeholder 2"/>
-          <p:cNvSpPr>
-            <a:spLocks noGrp="1"/>
-          </p:cNvSpPr>
+              <a:t>Načrt </a:t>
+            </a:r>
+            <a:r>
+              <a:rPr lang="sl-SI" sz="1800" dirty="0" smtClean="0"/>
+              <a:t>(2)</a:t>
+            </a:r>
+            <a:endParaRPr lang="sl-SI" sz="1800" dirty="0"/>
+          </a:p>
+        </p:txBody>
+      </p:sp>
+      <p:pic>
+        <p:nvPicPr>
+          <p:cNvPr id="4" name="Content Placeholder 3" descr="nacrtOdvisnosti.gif"/>
+          <p:cNvPicPr>
+            <a:picLocks noGrp="1" noChangeAspect="1"/>
+          </p:cNvPicPr>
           <p:nvPr>
             <p:ph sz="quarter" idx="1"/>
           </p:nvPr>
-        </p:nvSpPr>
-        <p:spPr/>
-        <p:txBody>
-          <a:bodyPr/>
-          <a:lstStyle/>
-          <a:p>
-            <a:r>
-              <a:rPr lang="sl-SI" dirty="0" smtClean="0"/>
-              <a:t>Google Play</a:t>
-            </a:r>
-          </a:p>
-          <a:p>
-            <a:pPr lvl="1"/>
-            <a:r>
-              <a:rPr lang="sl-SI" dirty="0" smtClean="0"/>
-              <a:t>Število prenosov</a:t>
-            </a:r>
-          </a:p>
-          <a:p>
-            <a:pPr lvl="1"/>
-            <a:r>
-              <a:rPr lang="sl-SI" dirty="0" smtClean="0"/>
-              <a:t>Odzivi uporabnikov</a:t>
-            </a:r>
-            <a:endParaRPr lang="sl-SI" dirty="0"/>
-          </a:p>
-          <a:p>
-            <a:r>
-              <a:rPr lang="sl-SI" dirty="0" smtClean="0"/>
-              <a:t>Sodelovanje z BTC City</a:t>
-            </a:r>
-          </a:p>
-          <a:p>
-            <a:pPr lvl="1"/>
-            <a:r>
-              <a:rPr lang="sl-SI" dirty="0" smtClean="0"/>
-              <a:t>Če bo aplikacija uspešna</a:t>
-            </a:r>
-          </a:p>
-          <a:p>
-            <a:pPr lvl="1">
-              <a:buNone/>
-            </a:pPr>
-            <a:endParaRPr lang="sl-SI" dirty="0" smtClean="0"/>
-          </a:p>
-        </p:txBody>
-      </p:sp>
+        </p:nvPicPr>
+        <p:blipFill>
+          <a:blip r:embed="rId2" cstate="print"/>
+          <a:stretch>
+            <a:fillRect/>
+          </a:stretch>
+        </p:blipFill>
+        <p:spPr>
+          <a:xfrm>
+            <a:off x="0" y="1500174"/>
+            <a:ext cx="9540552" cy="4071966"/>
+          </a:xfrm>
+        </p:spPr>
+      </p:pic>
     </p:spTree>
   </p:cSld>
   <p:clrMapOvr>
@@ -4293,7 +4516,7 @@
   <p:timing>
     <p:tnLst>
       <p:par>
-        <p:cTn id="1" dur="indefinite" restart="never" nodeType="tmRoot"/>
+        <p:cTn xmlns:p14="http://schemas.microsoft.com/office/powerpoint/2010/main" id="1" dur="indefinite" restart="never" nodeType="tmRoot"/>
       </p:par>
     </p:tnLst>
   </p:timing>
@@ -4334,7 +4557,7 @@
           <a:p>
             <a:r>
               <a:rPr lang="sl-SI" dirty="0" smtClean="0"/>
-              <a:t>Tveganja</a:t>
+              <a:t>Analiza rezultatov</a:t>
             </a:r>
             <a:endParaRPr lang="sl-SI" dirty="0"/>
           </a:p>
@@ -4357,25 +4580,49 @@
           <a:p>
             <a:r>
               <a:rPr lang="sl-SI" dirty="0" smtClean="0"/>
-              <a:t>Prepoved trženja pod to znamko, ker je lastnik blagovne znamke BTC City</a:t>
-            </a:r>
-          </a:p>
-          <a:p>
+              <a:t>Google Play</a:t>
+            </a:r>
+          </a:p>
+          <a:p>
+            <a:pPr lvl="1"/>
+            <a:r>
+              <a:rPr lang="sl-SI" dirty="0" smtClean="0"/>
+              <a:t>Število prenosov</a:t>
+            </a:r>
+          </a:p>
+          <a:p>
+            <a:pPr lvl="1"/>
+            <a:r>
+              <a:rPr lang="sl-SI" dirty="0" smtClean="0"/>
+              <a:t>Odzivi </a:t>
+            </a:r>
+            <a:r>
+              <a:rPr lang="sl-SI" dirty="0" smtClean="0"/>
+              <a:t>uporabnikov</a:t>
+            </a:r>
+          </a:p>
+          <a:p>
+            <a:pPr lvl="1"/>
             <a:endParaRPr lang="sl-SI" dirty="0"/>
           </a:p>
           <a:p>
             <a:r>
               <a:rPr lang="sl-SI" dirty="0" smtClean="0"/>
-              <a:t>Rešitev: </a:t>
+              <a:t>Sodelovanje z BTC City</a:t>
             </a:r>
           </a:p>
           <a:p>
             <a:pPr lvl="1"/>
             <a:r>
               <a:rPr lang="sl-SI" dirty="0" smtClean="0"/>
-              <a:t>Sprememba imena</a:t>
-            </a:r>
-            <a:endParaRPr lang="sl-SI" dirty="0"/>
+              <a:t>Če bo aplikacija uspešna</a:t>
+            </a:r>
+          </a:p>
+          <a:p>
+            <a:pPr lvl="1">
+              <a:buNone/>
+            </a:pPr>
+            <a:endParaRPr lang="sl-SI" dirty="0" smtClean="0"/>
           </a:p>
         </p:txBody>
       </p:sp>
@@ -4387,7 +4634,130 @@
   <p:timing>
     <p:tnLst>
       <p:par>
-        <p:cTn id="1" dur="indefinite" restart="never" nodeType="tmRoot"/>
+        <p:cTn xmlns:p14="http://schemas.microsoft.com/office/powerpoint/2010/main" id="1" dur="indefinite" restart="never" nodeType="tmRoot"/>
+      </p:par>
+    </p:tnLst>
+  </p:timing>
+</p:sld>
+</file>
+
+<file path=ppt/slides/slide7.xml><?xml version="1.0" encoding="utf-8"?>
+<p:sld xmlns:a="http://schemas.openxmlformats.org/drawingml/2006/main" xmlns:r="http://schemas.openxmlformats.org/officeDocument/2006/relationships" xmlns:p="http://schemas.openxmlformats.org/presentationml/2006/main">
+  <p:cSld>
+    <p:spTree>
+      <p:nvGrpSpPr>
+        <p:cNvPr id="1" name=""/>
+        <p:cNvGrpSpPr/>
+        <p:nvPr/>
+      </p:nvGrpSpPr>
+      <p:grpSpPr>
+        <a:xfrm>
+          <a:off x="0" y="0"/>
+          <a:ext cx="0" cy="0"/>
+          <a:chOff x="0" y="0"/>
+          <a:chExt cx="0" cy="0"/>
+        </a:xfrm>
+      </p:grpSpPr>
+      <p:sp>
+        <p:nvSpPr>
+          <p:cNvPr id="2" name="Title 1"/>
+          <p:cNvSpPr>
+            <a:spLocks noGrp="1"/>
+          </p:cNvSpPr>
+          <p:nvPr>
+            <p:ph type="title"/>
+          </p:nvPr>
+        </p:nvSpPr>
+        <p:spPr/>
+        <p:txBody>
+          <a:bodyPr/>
+          <a:lstStyle/>
+          <a:p>
+            <a:r>
+              <a:rPr lang="sl-SI" dirty="0" smtClean="0"/>
+              <a:t>Tveganja</a:t>
+            </a:r>
+            <a:endParaRPr lang="sl-SI" dirty="0"/>
+          </a:p>
+        </p:txBody>
+      </p:sp>
+      <p:sp>
+        <p:nvSpPr>
+          <p:cNvPr id="3" name="Content Placeholder 2"/>
+          <p:cNvSpPr>
+            <a:spLocks noGrp="1"/>
+          </p:cNvSpPr>
+          <p:nvPr>
+            <p:ph sz="quarter" idx="1"/>
+          </p:nvPr>
+        </p:nvSpPr>
+        <p:spPr/>
+        <p:txBody>
+          <a:bodyPr/>
+          <a:lstStyle/>
+          <a:p>
+            <a:r>
+              <a:rPr lang="sl-SI" dirty="0" smtClean="0"/>
+              <a:t>Prepoved trženja pod to znamko, ker </a:t>
+            </a:r>
+            <a:r>
+              <a:rPr lang="sl-SI" dirty="0" smtClean="0"/>
+              <a:t>je družba </a:t>
+            </a:r>
+            <a:r>
+              <a:rPr lang="sl-SI" b="1" dirty="0" smtClean="0"/>
+              <a:t>BTC</a:t>
+            </a:r>
+            <a:r>
+              <a:rPr lang="sl-SI" dirty="0" smtClean="0"/>
+              <a:t> </a:t>
+            </a:r>
+            <a:r>
+              <a:rPr lang="sl-SI" dirty="0" smtClean="0"/>
+              <a:t>lastnik blagovne znamke </a:t>
+            </a:r>
+            <a:r>
+              <a:rPr lang="sl-SI" b="1" dirty="0" smtClean="0"/>
+              <a:t>BTC City</a:t>
+            </a:r>
+          </a:p>
+          <a:p>
+            <a:endParaRPr lang="sl-SI" dirty="0"/>
+          </a:p>
+          <a:p>
+            <a:r>
+              <a:rPr lang="sl-SI" dirty="0" smtClean="0"/>
+              <a:t>Rešitev: </a:t>
+            </a:r>
+            <a:endParaRPr lang="sl-SI" dirty="0" smtClean="0"/>
+          </a:p>
+          <a:p>
+            <a:pPr lvl="1"/>
+            <a:r>
+              <a:rPr lang="sl-SI" dirty="0" smtClean="0"/>
+              <a:t>Pravočasno pogajanje z BTC d.d.</a:t>
+            </a:r>
+            <a:endParaRPr lang="sl-SI" dirty="0" smtClean="0"/>
+          </a:p>
+          <a:p>
+            <a:pPr lvl="1"/>
+            <a:r>
+              <a:rPr lang="sl-SI" dirty="0" smtClean="0"/>
+              <a:t>Sprememba imena</a:t>
+            </a:r>
+            <a:endParaRPr lang="sl-SI" dirty="0"/>
+          </a:p>
+        </p:txBody>
+      </p:sp>
+    </p:spTree>
+  </p:cSld>
+  <p:clrMapOvr>
+    <a:masterClrMapping/>
+  </p:clrMapOvr>
+  <p:timing>
+    <p:tnLst>
+      <p:par>
+        <p:cTn xmlns:p14="http://schemas.microsoft.com/office/powerpoint/2010/main" id="1" dur="indefinite" restart="never" nodeType="tmRoot"/>
       </p:par>
     </p:tnLst>
   </p:timing>
